--- a/Project_Presentation.pptx
+++ b/Project_Presentation.pptx
@@ -18,8 +18,8 @@
     <p:sldId id="273" r:id="rId9"/>
     <p:sldId id="269" r:id="rId10"/>
     <p:sldId id="271" r:id="rId11"/>
-    <p:sldId id="270" r:id="rId12"/>
-    <p:sldId id="274" r:id="rId13"/>
+    <p:sldId id="277" r:id="rId12"/>
+    <p:sldId id="257" r:id="rId13"/>
     <p:sldId id="261" r:id="rId14"/>
     <p:sldId id="275" r:id="rId15"/>
     <p:sldId id="266" r:id="rId16"/>
@@ -226,7 +226,7 @@
           <a:p>
             <a:fld id="{B56F32FC-4BD9-442A-A8C6-51598C909FE3}" type="datetimeFigureOut">
               <a:rPr lang="en-US" smtClean="0"/>
-              <a:t>2/7/2023</a:t>
+              <a:t>2/8/2023</a:t>
             </a:fld>
             <a:endParaRPr lang="en-US" dirty="0"/>
           </a:p>
@@ -403,7 +403,7 @@
           <a:p>
             <a:fld id="{056371FA-A98D-41E8-93F4-09945841298A}" type="datetimeFigureOut">
               <a:rPr lang="en-US" smtClean="0"/>
-              <a:t>2/7/2023</a:t>
+              <a:t>2/8/2023</a:t>
             </a:fld>
             <a:endParaRPr lang="en-US" dirty="0"/>
           </a:p>
@@ -668,6 +668,214 @@
     </a:lvl9pPr>
   </p:notesStyle>
 </p:notesMaster>
+</file>
+
+<file path=ppt/notesSlides/notesSlide1.xml><?xml version="1.0" encoding="utf-8"?>
+<p:notes xmlns:a="http://schemas.openxmlformats.org/drawingml/2006/main" xmlns:r="http://schemas.openxmlformats.org/officeDocument/2006/relationships" xmlns:p="http://schemas.openxmlformats.org/presentationml/2006/main" showMasterSp="0" showMasterPhAnim="0">
+  <p:cSld>
+    <p:spTree>
+      <p:nvGrpSpPr>
+        <p:cNvPr id="1" name="Shape 177"/>
+        <p:cNvGrpSpPr/>
+        <p:nvPr/>
+      </p:nvGrpSpPr>
+      <p:grpSpPr>
+        <a:xfrm>
+          <a:off x="0" y="0"/>
+          <a:ext cx="0" cy="0"/>
+          <a:chOff x="0" y="0"/>
+          <a:chExt cx="0" cy="0"/>
+        </a:xfrm>
+      </p:grpSpPr>
+      <p:sp>
+        <p:nvSpPr>
+          <p:cNvPr id="178" name="Google Shape;178;p8:notes"/>
+          <p:cNvSpPr txBox="1">
+            <a:spLocks noGrp="1"/>
+          </p:cNvSpPr>
+          <p:nvPr>
+            <p:ph type="body" idx="1"/>
+          </p:nvPr>
+        </p:nvSpPr>
+        <p:spPr>
+          <a:xfrm>
+            <a:off x="685800" y="4400550"/>
+            <a:ext cx="5486400" cy="3600450"/>
+          </a:xfrm>
+          <a:prstGeom prst="rect">
+            <a:avLst/>
+          </a:prstGeom>
+        </p:spPr>
+        <p:txBody>
+          <a:bodyPr spcFirstLastPara="1" wrap="square" lIns="91425" tIns="45700" rIns="91425" bIns="45700" anchor="t" anchorCtr="0">
+            <a:noAutofit/>
+          </a:bodyPr>
+          <a:lstStyle/>
+          <a:p>
+            <a:pPr marL="0" lvl="0" indent="0" algn="l" rtl="0">
+              <a:spcBef>
+                <a:spcPts val="0"/>
+              </a:spcBef>
+              <a:spcAft>
+                <a:spcPts val="0"/>
+              </a:spcAft>
+              <a:buNone/>
+            </a:pPr>
+            <a:endParaRPr/>
+          </a:p>
+        </p:txBody>
+      </p:sp>
+      <p:sp>
+        <p:nvSpPr>
+          <p:cNvPr id="179" name="Google Shape;179;p8:notes"/>
+          <p:cNvSpPr>
+            <a:spLocks noGrp="1" noRot="1" noChangeAspect="1"/>
+          </p:cNvSpPr>
+          <p:nvPr>
+            <p:ph type="sldImg" idx="2"/>
+          </p:nvPr>
+        </p:nvSpPr>
+        <p:spPr>
+          <a:xfrm>
+            <a:off x="685800" y="1143000"/>
+            <a:ext cx="5486400" cy="3086100"/>
+          </a:xfrm>
+          <a:custGeom>
+            <a:avLst/>
+            <a:gdLst/>
+            <a:ahLst/>
+            <a:cxnLst/>
+            <a:rect l="l" t="t" r="r" b="b"/>
+            <a:pathLst>
+              <a:path w="120000" h="120000" extrusionOk="0">
+                <a:moveTo>
+                  <a:pt x="0" y="0"/>
+                </a:moveTo>
+                <a:lnTo>
+                  <a:pt x="120000" y="0"/>
+                </a:lnTo>
+                <a:lnTo>
+                  <a:pt x="120000" y="120000"/>
+                </a:lnTo>
+                <a:lnTo>
+                  <a:pt x="0" y="120000"/>
+                </a:lnTo>
+                <a:close/>
+              </a:path>
+            </a:pathLst>
+          </a:custGeom>
+        </p:spPr>
+      </p:sp>
+    </p:spTree>
+  </p:cSld>
+  <p:clrMapOvr>
+    <a:masterClrMapping/>
+  </p:clrMapOvr>
+</p:notes>
+</file>
+
+<file path=ppt/notesSlides/notesSlide2.xml><?xml version="1.0" encoding="utf-8"?>
+<p:notes xmlns:a="http://schemas.openxmlformats.org/drawingml/2006/main" xmlns:r="http://schemas.openxmlformats.org/officeDocument/2006/relationships" xmlns:p="http://schemas.openxmlformats.org/presentationml/2006/main" showMasterSp="0" showMasterPhAnim="0">
+  <p:cSld>
+    <p:spTree>
+      <p:nvGrpSpPr>
+        <p:cNvPr id="1" name="Shape 184"/>
+        <p:cNvGrpSpPr/>
+        <p:nvPr/>
+      </p:nvGrpSpPr>
+      <p:grpSpPr>
+        <a:xfrm>
+          <a:off x="0" y="0"/>
+          <a:ext cx="0" cy="0"/>
+          <a:chOff x="0" y="0"/>
+          <a:chExt cx="0" cy="0"/>
+        </a:xfrm>
+      </p:grpSpPr>
+      <p:sp>
+        <p:nvSpPr>
+          <p:cNvPr id="185" name="Google Shape;185;p9:notes"/>
+          <p:cNvSpPr txBox="1">
+            <a:spLocks noGrp="1"/>
+          </p:cNvSpPr>
+          <p:nvPr>
+            <p:ph type="body" idx="1"/>
+          </p:nvPr>
+        </p:nvSpPr>
+        <p:spPr>
+          <a:xfrm>
+            <a:off x="685800" y="4400550"/>
+            <a:ext cx="5486400" cy="3600450"/>
+          </a:xfrm>
+          <a:prstGeom prst="rect">
+            <a:avLst/>
+          </a:prstGeom>
+        </p:spPr>
+        <p:txBody>
+          <a:bodyPr spcFirstLastPara="1" wrap="square" lIns="91425" tIns="45700" rIns="91425" bIns="45700" anchor="t" anchorCtr="0">
+            <a:noAutofit/>
+          </a:bodyPr>
+          <a:lstStyle/>
+          <a:p>
+            <a:pPr marL="0" lvl="0" indent="0" algn="l" rtl="0">
+              <a:spcBef>
+                <a:spcPts val="0"/>
+              </a:spcBef>
+              <a:spcAft>
+                <a:spcPts val="0"/>
+              </a:spcAft>
+              <a:buNone/>
+            </a:pPr>
+            <a:endParaRPr/>
+          </a:p>
+        </p:txBody>
+      </p:sp>
+      <p:sp>
+        <p:nvSpPr>
+          <p:cNvPr id="186" name="Google Shape;186;p9:notes"/>
+          <p:cNvSpPr>
+            <a:spLocks noGrp="1" noRot="1" noChangeAspect="1"/>
+          </p:cNvSpPr>
+          <p:nvPr>
+            <p:ph type="sldImg" idx="2"/>
+          </p:nvPr>
+        </p:nvSpPr>
+        <p:spPr>
+          <a:xfrm>
+            <a:off x="685800" y="1143000"/>
+            <a:ext cx="5486400" cy="3086100"/>
+          </a:xfrm>
+          <a:custGeom>
+            <a:avLst/>
+            <a:gdLst/>
+            <a:ahLst/>
+            <a:cxnLst/>
+            <a:rect l="l" t="t" r="r" b="b"/>
+            <a:pathLst>
+              <a:path w="120000" h="120000" extrusionOk="0">
+                <a:moveTo>
+                  <a:pt x="0" y="0"/>
+                </a:moveTo>
+                <a:lnTo>
+                  <a:pt x="120000" y="0"/>
+                </a:lnTo>
+                <a:lnTo>
+                  <a:pt x="120000" y="120000"/>
+                </a:lnTo>
+                <a:lnTo>
+                  <a:pt x="0" y="120000"/>
+                </a:lnTo>
+                <a:close/>
+              </a:path>
+            </a:pathLst>
+          </a:custGeom>
+        </p:spPr>
+      </p:sp>
+    </p:spTree>
+  </p:cSld>
+  <p:clrMapOvr>
+    <a:masterClrMapping/>
+  </p:clrMapOvr>
+</p:notes>
 </file>
 
 <file path=ppt/slideLayouts/slideLayout1.xml><?xml version="1.0" encoding="utf-8"?>
@@ -4120,6 +4328,975 @@
     <p:extLst>
       <p:ext uri="{BB962C8B-B14F-4D97-AF65-F5344CB8AC3E}">
         <p14:creationId xmlns:p14="http://schemas.microsoft.com/office/powerpoint/2010/main" val="1291140423"/>
+      </p:ext>
+    </p:extLst>
+  </p:cSld>
+  <p:clrMapOvr>
+    <a:masterClrMapping/>
+  </p:clrMapOvr>
+</p:sldLayout>
+</file>
+
+<file path=ppt/slideLayouts/slideLayout16.xml><?xml version="1.0" encoding="utf-8"?>
+<p:sldLayout xmlns:a="http://schemas.openxmlformats.org/drawingml/2006/main" xmlns:r="http://schemas.openxmlformats.org/officeDocument/2006/relationships" xmlns:p="http://schemas.openxmlformats.org/presentationml/2006/main" matchingName="Smart Art">
+  <p:cSld name="1_Smart Art">
+    <p:bg>
+      <p:bgPr>
+        <a:solidFill>
+          <a:schemeClr val="lt1"/>
+        </a:solidFill>
+        <a:effectLst/>
+      </p:bgPr>
+    </p:bg>
+    <p:spTree>
+      <p:nvGrpSpPr>
+        <p:cNvPr id="1" name="Shape 33"/>
+        <p:cNvGrpSpPr/>
+        <p:nvPr/>
+      </p:nvGrpSpPr>
+      <p:grpSpPr>
+        <a:xfrm>
+          <a:off x="0" y="0"/>
+          <a:ext cx="0" cy="0"/>
+          <a:chOff x="0" y="0"/>
+          <a:chExt cx="0" cy="0"/>
+        </a:xfrm>
+      </p:grpSpPr>
+      <p:grpSp>
+        <p:nvGrpSpPr>
+          <p:cNvPr id="34" name="Google Shape;34;p17"/>
+          <p:cNvGrpSpPr/>
+          <p:nvPr/>
+        </p:nvGrpSpPr>
+        <p:grpSpPr>
+          <a:xfrm>
+            <a:off x="0" y="0"/>
+            <a:ext cx="2590800" cy="1027906"/>
+            <a:chOff x="0" y="0"/>
+            <a:chExt cx="2590800" cy="1027906"/>
+          </a:xfrm>
+        </p:grpSpPr>
+        <p:cxnSp>
+          <p:nvCxnSpPr>
+            <p:cNvPr id="35" name="Google Shape;35;p17"/>
+            <p:cNvCxnSpPr/>
+            <p:nvPr/>
+          </p:nvCxnSpPr>
+          <p:spPr>
+            <a:xfrm rot="10800000" flipH="1">
+              <a:off x="0" y="0"/>
+              <a:ext cx="2590800" cy="762000"/>
+            </a:xfrm>
+            <a:prstGeom prst="straightConnector1">
+              <a:avLst/>
+            </a:prstGeom>
+            <a:noFill/>
+            <a:ln w="9525" cap="flat" cmpd="sng">
+              <a:solidFill>
+                <a:schemeClr val="dk1"/>
+              </a:solidFill>
+              <a:prstDash val="solid"/>
+              <a:miter lim="800000"/>
+              <a:headEnd type="none" w="sm" len="sm"/>
+              <a:tailEnd type="none" w="sm" len="sm"/>
+            </a:ln>
+          </p:spPr>
+        </p:cxnSp>
+        <p:cxnSp>
+          <p:nvCxnSpPr>
+            <p:cNvPr id="36" name="Google Shape;36;p17"/>
+            <p:cNvCxnSpPr/>
+            <p:nvPr/>
+          </p:nvCxnSpPr>
+          <p:spPr>
+            <a:xfrm flipH="1">
+              <a:off x="0" y="0"/>
+              <a:ext cx="704850" cy="1027906"/>
+            </a:xfrm>
+            <a:prstGeom prst="straightConnector1">
+              <a:avLst/>
+            </a:prstGeom>
+            <a:noFill/>
+            <a:ln w="9525" cap="flat" cmpd="sng">
+              <a:solidFill>
+                <a:schemeClr val="dk1"/>
+              </a:solidFill>
+              <a:prstDash val="solid"/>
+              <a:miter lim="800000"/>
+              <a:headEnd type="none" w="sm" len="sm"/>
+              <a:tailEnd type="none" w="sm" len="sm"/>
+            </a:ln>
+          </p:spPr>
+        </p:cxnSp>
+      </p:grpSp>
+      <p:sp>
+        <p:nvSpPr>
+          <p:cNvPr id="37" name="Google Shape;37;p17"/>
+          <p:cNvSpPr txBox="1">
+            <a:spLocks noGrp="1"/>
+          </p:cNvSpPr>
+          <p:nvPr>
+            <p:ph type="title"/>
+          </p:nvPr>
+        </p:nvSpPr>
+        <p:spPr>
+          <a:xfrm>
+            <a:off x="838200" y="365125"/>
+            <a:ext cx="10515600" cy="1325563"/>
+          </a:xfrm>
+          <a:prstGeom prst="rect">
+            <a:avLst/>
+          </a:prstGeom>
+          <a:noFill/>
+          <a:ln>
+            <a:noFill/>
+          </a:ln>
+        </p:spPr>
+        <p:txBody>
+          <a:bodyPr spcFirstLastPara="1" wrap="square" lIns="91425" tIns="45700" rIns="91425" bIns="45700" anchor="ctr" anchorCtr="0">
+            <a:normAutofit/>
+          </a:bodyPr>
+          <a:lstStyle>
+            <a:lvl1pPr lvl="0" algn="ctr">
+              <a:lnSpc>
+                <a:spcPct val="90000"/>
+              </a:lnSpc>
+              <a:spcBef>
+                <a:spcPts val="0"/>
+              </a:spcBef>
+              <a:spcAft>
+                <a:spcPts val="0"/>
+              </a:spcAft>
+              <a:buClr>
+                <a:schemeClr val="dk1"/>
+              </a:buClr>
+              <a:buSzPts val="2800"/>
+              <a:buFont typeface="Arial"/>
+              <a:buNone/>
+              <a:defRPr sz="2800">
+                <a:solidFill>
+                  <a:schemeClr val="dk1"/>
+                </a:solidFill>
+                <a:latin typeface="Arial"/>
+                <a:ea typeface="Arial"/>
+                <a:cs typeface="Arial"/>
+                <a:sym typeface="Arial"/>
+              </a:defRPr>
+            </a:lvl1pPr>
+            <a:lvl2pPr lvl="1">
+              <a:spcBef>
+                <a:spcPts val="0"/>
+              </a:spcBef>
+              <a:spcAft>
+                <a:spcPts val="0"/>
+              </a:spcAft>
+              <a:buSzPts val="1400"/>
+              <a:buNone/>
+              <a:defRPr/>
+            </a:lvl2pPr>
+            <a:lvl3pPr lvl="2">
+              <a:spcBef>
+                <a:spcPts val="0"/>
+              </a:spcBef>
+              <a:spcAft>
+                <a:spcPts val="0"/>
+              </a:spcAft>
+              <a:buSzPts val="1400"/>
+              <a:buNone/>
+              <a:defRPr/>
+            </a:lvl3pPr>
+            <a:lvl4pPr lvl="3">
+              <a:spcBef>
+                <a:spcPts val="0"/>
+              </a:spcBef>
+              <a:spcAft>
+                <a:spcPts val="0"/>
+              </a:spcAft>
+              <a:buSzPts val="1400"/>
+              <a:buNone/>
+              <a:defRPr/>
+            </a:lvl4pPr>
+            <a:lvl5pPr lvl="4">
+              <a:spcBef>
+                <a:spcPts val="0"/>
+              </a:spcBef>
+              <a:spcAft>
+                <a:spcPts val="0"/>
+              </a:spcAft>
+              <a:buSzPts val="1400"/>
+              <a:buNone/>
+              <a:defRPr/>
+            </a:lvl5pPr>
+            <a:lvl6pPr lvl="5">
+              <a:spcBef>
+                <a:spcPts val="0"/>
+              </a:spcBef>
+              <a:spcAft>
+                <a:spcPts val="0"/>
+              </a:spcAft>
+              <a:buSzPts val="1400"/>
+              <a:buNone/>
+              <a:defRPr/>
+            </a:lvl6pPr>
+            <a:lvl7pPr lvl="6">
+              <a:spcBef>
+                <a:spcPts val="0"/>
+              </a:spcBef>
+              <a:spcAft>
+                <a:spcPts val="0"/>
+              </a:spcAft>
+              <a:buSzPts val="1400"/>
+              <a:buNone/>
+              <a:defRPr/>
+            </a:lvl7pPr>
+            <a:lvl8pPr lvl="7">
+              <a:spcBef>
+                <a:spcPts val="0"/>
+              </a:spcBef>
+              <a:spcAft>
+                <a:spcPts val="0"/>
+              </a:spcAft>
+              <a:buSzPts val="1400"/>
+              <a:buNone/>
+              <a:defRPr/>
+            </a:lvl8pPr>
+            <a:lvl9pPr lvl="8">
+              <a:spcBef>
+                <a:spcPts val="0"/>
+              </a:spcBef>
+              <a:spcAft>
+                <a:spcPts val="0"/>
+              </a:spcAft>
+              <a:buSzPts val="1400"/>
+              <a:buNone/>
+              <a:defRPr/>
+            </a:lvl9pPr>
+          </a:lstStyle>
+          <a:p>
+            <a:endParaRPr/>
+          </a:p>
+        </p:txBody>
+      </p:sp>
+      <p:sp>
+        <p:nvSpPr>
+          <p:cNvPr id="38" name="Google Shape;38;p17"/>
+          <p:cNvSpPr>
+            <a:spLocks noGrp="1"/>
+          </p:cNvSpPr>
+          <p:nvPr>
+            <p:ph type="dgm" idx="2"/>
+          </p:nvPr>
+        </p:nvSpPr>
+        <p:spPr>
+          <a:xfrm>
+            <a:off x="838200" y="2111375"/>
+            <a:ext cx="10515600" cy="3744913"/>
+          </a:xfrm>
+          <a:prstGeom prst="rect">
+            <a:avLst/>
+          </a:prstGeom>
+          <a:noFill/>
+          <a:ln>
+            <a:noFill/>
+          </a:ln>
+        </p:spPr>
+        <p:txBody>
+          <a:bodyPr spcFirstLastPara="1" wrap="square" lIns="91425" tIns="45700" rIns="91425" bIns="45700" anchor="t" anchorCtr="0">
+            <a:normAutofit/>
+          </a:bodyPr>
+          <a:lstStyle>
+            <a:lvl1pPr marR="0" lvl="0" algn="l" rtl="0">
+              <a:lnSpc>
+                <a:spcPct val="90000"/>
+              </a:lnSpc>
+              <a:spcBef>
+                <a:spcPts val="1000"/>
+              </a:spcBef>
+              <a:spcAft>
+                <a:spcPts val="0"/>
+              </a:spcAft>
+              <a:buClr>
+                <a:schemeClr val="dk1"/>
+              </a:buClr>
+              <a:buSzPts val="2800"/>
+              <a:buFont typeface="Arial"/>
+              <a:buChar char="•"/>
+              <a:defRPr sz="2800" b="0" i="0" u="none" strike="noStrike" cap="none">
+                <a:solidFill>
+                  <a:schemeClr val="dk1"/>
+                </a:solidFill>
+                <a:latin typeface="Arial"/>
+                <a:ea typeface="Arial"/>
+                <a:cs typeface="Arial"/>
+                <a:sym typeface="Arial"/>
+              </a:defRPr>
+            </a:lvl1pPr>
+            <a:lvl2pPr marR="0" lvl="1" algn="l" rtl="0">
+              <a:lnSpc>
+                <a:spcPct val="90000"/>
+              </a:lnSpc>
+              <a:spcBef>
+                <a:spcPts val="500"/>
+              </a:spcBef>
+              <a:spcAft>
+                <a:spcPts val="0"/>
+              </a:spcAft>
+              <a:buClr>
+                <a:schemeClr val="dk1"/>
+              </a:buClr>
+              <a:buSzPts val="2400"/>
+              <a:buFont typeface="Arial"/>
+              <a:buChar char="•"/>
+              <a:defRPr sz="2400" b="0" i="0" u="none" strike="noStrike" cap="none">
+                <a:solidFill>
+                  <a:schemeClr val="dk1"/>
+                </a:solidFill>
+                <a:latin typeface="Arial"/>
+                <a:ea typeface="Arial"/>
+                <a:cs typeface="Arial"/>
+                <a:sym typeface="Arial"/>
+              </a:defRPr>
+            </a:lvl2pPr>
+            <a:lvl3pPr marR="0" lvl="2" algn="l" rtl="0">
+              <a:lnSpc>
+                <a:spcPct val="90000"/>
+              </a:lnSpc>
+              <a:spcBef>
+                <a:spcPts val="500"/>
+              </a:spcBef>
+              <a:spcAft>
+                <a:spcPts val="0"/>
+              </a:spcAft>
+              <a:buClr>
+                <a:schemeClr val="dk1"/>
+              </a:buClr>
+              <a:buSzPts val="2000"/>
+              <a:buFont typeface="Arial"/>
+              <a:buChar char="•"/>
+              <a:defRPr sz="2000" b="0" i="0" u="none" strike="noStrike" cap="none">
+                <a:solidFill>
+                  <a:schemeClr val="dk1"/>
+                </a:solidFill>
+                <a:latin typeface="Arial"/>
+                <a:ea typeface="Arial"/>
+                <a:cs typeface="Arial"/>
+                <a:sym typeface="Arial"/>
+              </a:defRPr>
+            </a:lvl3pPr>
+            <a:lvl4pPr marR="0" lvl="3" algn="l" rtl="0">
+              <a:lnSpc>
+                <a:spcPct val="90000"/>
+              </a:lnSpc>
+              <a:spcBef>
+                <a:spcPts val="500"/>
+              </a:spcBef>
+              <a:spcAft>
+                <a:spcPts val="0"/>
+              </a:spcAft>
+              <a:buClr>
+                <a:schemeClr val="dk1"/>
+              </a:buClr>
+              <a:buSzPts val="1800"/>
+              <a:buFont typeface="Arial"/>
+              <a:buChar char="•"/>
+              <a:defRPr sz="1800" b="0" i="0" u="none" strike="noStrike" cap="none">
+                <a:solidFill>
+                  <a:schemeClr val="dk1"/>
+                </a:solidFill>
+                <a:latin typeface="Arial"/>
+                <a:ea typeface="Arial"/>
+                <a:cs typeface="Arial"/>
+                <a:sym typeface="Arial"/>
+              </a:defRPr>
+            </a:lvl4pPr>
+            <a:lvl5pPr marR="0" lvl="4" algn="l" rtl="0">
+              <a:lnSpc>
+                <a:spcPct val="90000"/>
+              </a:lnSpc>
+              <a:spcBef>
+                <a:spcPts val="500"/>
+              </a:spcBef>
+              <a:spcAft>
+                <a:spcPts val="0"/>
+              </a:spcAft>
+              <a:buClr>
+                <a:schemeClr val="dk1"/>
+              </a:buClr>
+              <a:buSzPts val="1800"/>
+              <a:buFont typeface="Arial"/>
+              <a:buChar char="•"/>
+              <a:defRPr sz="1800" b="0" i="0" u="none" strike="noStrike" cap="none">
+                <a:solidFill>
+                  <a:schemeClr val="dk1"/>
+                </a:solidFill>
+                <a:latin typeface="Arial"/>
+                <a:ea typeface="Arial"/>
+                <a:cs typeface="Arial"/>
+                <a:sym typeface="Arial"/>
+              </a:defRPr>
+            </a:lvl5pPr>
+            <a:lvl6pPr marR="0" lvl="5" algn="l" rtl="0">
+              <a:lnSpc>
+                <a:spcPct val="90000"/>
+              </a:lnSpc>
+              <a:spcBef>
+                <a:spcPts val="500"/>
+              </a:spcBef>
+              <a:spcAft>
+                <a:spcPts val="0"/>
+              </a:spcAft>
+              <a:buClr>
+                <a:schemeClr val="dk1"/>
+              </a:buClr>
+              <a:buSzPts val="1800"/>
+              <a:buFont typeface="Arial"/>
+              <a:buChar char="•"/>
+              <a:defRPr sz="1800" b="0" i="0" u="none" strike="noStrike" cap="none">
+                <a:solidFill>
+                  <a:schemeClr val="dk1"/>
+                </a:solidFill>
+                <a:latin typeface="Arial"/>
+                <a:ea typeface="Arial"/>
+                <a:cs typeface="Arial"/>
+                <a:sym typeface="Arial"/>
+              </a:defRPr>
+            </a:lvl6pPr>
+            <a:lvl7pPr marR="0" lvl="6" algn="l" rtl="0">
+              <a:lnSpc>
+                <a:spcPct val="90000"/>
+              </a:lnSpc>
+              <a:spcBef>
+                <a:spcPts val="500"/>
+              </a:spcBef>
+              <a:spcAft>
+                <a:spcPts val="0"/>
+              </a:spcAft>
+              <a:buClr>
+                <a:schemeClr val="dk1"/>
+              </a:buClr>
+              <a:buSzPts val="1800"/>
+              <a:buFont typeface="Arial"/>
+              <a:buChar char="•"/>
+              <a:defRPr sz="1800" b="0" i="0" u="none" strike="noStrike" cap="none">
+                <a:solidFill>
+                  <a:schemeClr val="dk1"/>
+                </a:solidFill>
+                <a:latin typeface="Arial"/>
+                <a:ea typeface="Arial"/>
+                <a:cs typeface="Arial"/>
+                <a:sym typeface="Arial"/>
+              </a:defRPr>
+            </a:lvl7pPr>
+            <a:lvl8pPr marR="0" lvl="7" algn="l" rtl="0">
+              <a:lnSpc>
+                <a:spcPct val="90000"/>
+              </a:lnSpc>
+              <a:spcBef>
+                <a:spcPts val="500"/>
+              </a:spcBef>
+              <a:spcAft>
+                <a:spcPts val="0"/>
+              </a:spcAft>
+              <a:buClr>
+                <a:schemeClr val="dk1"/>
+              </a:buClr>
+              <a:buSzPts val="1800"/>
+              <a:buFont typeface="Arial"/>
+              <a:buChar char="•"/>
+              <a:defRPr sz="1800" b="0" i="0" u="none" strike="noStrike" cap="none">
+                <a:solidFill>
+                  <a:schemeClr val="dk1"/>
+                </a:solidFill>
+                <a:latin typeface="Arial"/>
+                <a:ea typeface="Arial"/>
+                <a:cs typeface="Arial"/>
+                <a:sym typeface="Arial"/>
+              </a:defRPr>
+            </a:lvl8pPr>
+            <a:lvl9pPr marR="0" lvl="8" algn="l" rtl="0">
+              <a:lnSpc>
+                <a:spcPct val="90000"/>
+              </a:lnSpc>
+              <a:spcBef>
+                <a:spcPts val="500"/>
+              </a:spcBef>
+              <a:spcAft>
+                <a:spcPts val="0"/>
+              </a:spcAft>
+              <a:buClr>
+                <a:schemeClr val="dk1"/>
+              </a:buClr>
+              <a:buSzPts val="1800"/>
+              <a:buFont typeface="Arial"/>
+              <a:buChar char="•"/>
+              <a:defRPr sz="1800" b="0" i="0" u="none" strike="noStrike" cap="none">
+                <a:solidFill>
+                  <a:schemeClr val="dk1"/>
+                </a:solidFill>
+                <a:latin typeface="Arial"/>
+                <a:ea typeface="Arial"/>
+                <a:cs typeface="Arial"/>
+                <a:sym typeface="Arial"/>
+              </a:defRPr>
+            </a:lvl9pPr>
+          </a:lstStyle>
+          <a:p>
+            <a:endParaRPr/>
+          </a:p>
+        </p:txBody>
+      </p:sp>
+      <p:sp>
+        <p:nvSpPr>
+          <p:cNvPr id="39" name="Google Shape;39;p17"/>
+          <p:cNvSpPr txBox="1">
+            <a:spLocks noGrp="1"/>
+          </p:cNvSpPr>
+          <p:nvPr>
+            <p:ph type="dt" idx="10"/>
+          </p:nvPr>
+        </p:nvSpPr>
+        <p:spPr>
+          <a:xfrm>
+            <a:off x="838200" y="6356350"/>
+            <a:ext cx="2743200" cy="365125"/>
+          </a:xfrm>
+          <a:prstGeom prst="rect">
+            <a:avLst/>
+          </a:prstGeom>
+          <a:noFill/>
+          <a:ln>
+            <a:noFill/>
+          </a:ln>
+        </p:spPr>
+        <p:txBody>
+          <a:bodyPr spcFirstLastPara="1" wrap="square" lIns="91425" tIns="45700" rIns="91425" bIns="45700" anchor="ctr" anchorCtr="0">
+            <a:noAutofit/>
+          </a:bodyPr>
+          <a:lstStyle>
+            <a:lvl1pPr lvl="0" algn="l">
+              <a:spcBef>
+                <a:spcPts val="0"/>
+              </a:spcBef>
+              <a:spcAft>
+                <a:spcPts val="0"/>
+              </a:spcAft>
+              <a:buSzPts val="1400"/>
+              <a:buNone/>
+              <a:defRPr sz="900"/>
+            </a:lvl1pPr>
+            <a:lvl2pPr lvl="1" algn="l">
+              <a:spcBef>
+                <a:spcPts val="0"/>
+              </a:spcBef>
+              <a:spcAft>
+                <a:spcPts val="0"/>
+              </a:spcAft>
+              <a:buSzPts val="1400"/>
+              <a:buNone/>
+              <a:defRPr/>
+            </a:lvl2pPr>
+            <a:lvl3pPr lvl="2" algn="l">
+              <a:spcBef>
+                <a:spcPts val="0"/>
+              </a:spcBef>
+              <a:spcAft>
+                <a:spcPts val="0"/>
+              </a:spcAft>
+              <a:buSzPts val="1400"/>
+              <a:buNone/>
+              <a:defRPr/>
+            </a:lvl3pPr>
+            <a:lvl4pPr lvl="3" algn="l">
+              <a:spcBef>
+                <a:spcPts val="0"/>
+              </a:spcBef>
+              <a:spcAft>
+                <a:spcPts val="0"/>
+              </a:spcAft>
+              <a:buSzPts val="1400"/>
+              <a:buNone/>
+              <a:defRPr/>
+            </a:lvl4pPr>
+            <a:lvl5pPr lvl="4" algn="l">
+              <a:spcBef>
+                <a:spcPts val="0"/>
+              </a:spcBef>
+              <a:spcAft>
+                <a:spcPts val="0"/>
+              </a:spcAft>
+              <a:buSzPts val="1400"/>
+              <a:buNone/>
+              <a:defRPr/>
+            </a:lvl5pPr>
+            <a:lvl6pPr lvl="5" algn="l">
+              <a:spcBef>
+                <a:spcPts val="0"/>
+              </a:spcBef>
+              <a:spcAft>
+                <a:spcPts val="0"/>
+              </a:spcAft>
+              <a:buSzPts val="1400"/>
+              <a:buNone/>
+              <a:defRPr/>
+            </a:lvl6pPr>
+            <a:lvl7pPr lvl="6" algn="l">
+              <a:spcBef>
+                <a:spcPts val="0"/>
+              </a:spcBef>
+              <a:spcAft>
+                <a:spcPts val="0"/>
+              </a:spcAft>
+              <a:buSzPts val="1400"/>
+              <a:buNone/>
+              <a:defRPr/>
+            </a:lvl7pPr>
+            <a:lvl8pPr lvl="7" algn="l">
+              <a:spcBef>
+                <a:spcPts val="0"/>
+              </a:spcBef>
+              <a:spcAft>
+                <a:spcPts val="0"/>
+              </a:spcAft>
+              <a:buSzPts val="1400"/>
+              <a:buNone/>
+              <a:defRPr/>
+            </a:lvl8pPr>
+            <a:lvl9pPr lvl="8" algn="l">
+              <a:spcBef>
+                <a:spcPts val="0"/>
+              </a:spcBef>
+              <a:spcAft>
+                <a:spcPts val="0"/>
+              </a:spcAft>
+              <a:buSzPts val="1400"/>
+              <a:buNone/>
+              <a:defRPr/>
+            </a:lvl9pPr>
+          </a:lstStyle>
+          <a:p>
+            <a:endParaRPr/>
+          </a:p>
+        </p:txBody>
+      </p:sp>
+      <p:sp>
+        <p:nvSpPr>
+          <p:cNvPr id="40" name="Google Shape;40;p17"/>
+          <p:cNvSpPr txBox="1">
+            <a:spLocks noGrp="1"/>
+          </p:cNvSpPr>
+          <p:nvPr>
+            <p:ph type="ftr" idx="11"/>
+          </p:nvPr>
+        </p:nvSpPr>
+        <p:spPr>
+          <a:xfrm>
+            <a:off x="4038600" y="6356350"/>
+            <a:ext cx="4114800" cy="365125"/>
+          </a:xfrm>
+          <a:prstGeom prst="rect">
+            <a:avLst/>
+          </a:prstGeom>
+          <a:noFill/>
+          <a:ln>
+            <a:noFill/>
+          </a:ln>
+        </p:spPr>
+        <p:txBody>
+          <a:bodyPr spcFirstLastPara="1" wrap="square" lIns="91425" tIns="45700" rIns="91425" bIns="45700" anchor="ctr" anchorCtr="0">
+            <a:noAutofit/>
+          </a:bodyPr>
+          <a:lstStyle>
+            <a:lvl1pPr lvl="0" algn="ctr">
+              <a:spcBef>
+                <a:spcPts val="0"/>
+              </a:spcBef>
+              <a:spcAft>
+                <a:spcPts val="0"/>
+              </a:spcAft>
+              <a:buSzPts val="1400"/>
+              <a:buNone/>
+              <a:defRPr sz="900"/>
+            </a:lvl1pPr>
+            <a:lvl2pPr lvl="1" algn="l">
+              <a:spcBef>
+                <a:spcPts val="0"/>
+              </a:spcBef>
+              <a:spcAft>
+                <a:spcPts val="0"/>
+              </a:spcAft>
+              <a:buSzPts val="1400"/>
+              <a:buNone/>
+              <a:defRPr/>
+            </a:lvl2pPr>
+            <a:lvl3pPr lvl="2" algn="l">
+              <a:spcBef>
+                <a:spcPts val="0"/>
+              </a:spcBef>
+              <a:spcAft>
+                <a:spcPts val="0"/>
+              </a:spcAft>
+              <a:buSzPts val="1400"/>
+              <a:buNone/>
+              <a:defRPr/>
+            </a:lvl3pPr>
+            <a:lvl4pPr lvl="3" algn="l">
+              <a:spcBef>
+                <a:spcPts val="0"/>
+              </a:spcBef>
+              <a:spcAft>
+                <a:spcPts val="0"/>
+              </a:spcAft>
+              <a:buSzPts val="1400"/>
+              <a:buNone/>
+              <a:defRPr/>
+            </a:lvl4pPr>
+            <a:lvl5pPr lvl="4" algn="l">
+              <a:spcBef>
+                <a:spcPts val="0"/>
+              </a:spcBef>
+              <a:spcAft>
+                <a:spcPts val="0"/>
+              </a:spcAft>
+              <a:buSzPts val="1400"/>
+              <a:buNone/>
+              <a:defRPr/>
+            </a:lvl5pPr>
+            <a:lvl6pPr lvl="5" algn="l">
+              <a:spcBef>
+                <a:spcPts val="0"/>
+              </a:spcBef>
+              <a:spcAft>
+                <a:spcPts val="0"/>
+              </a:spcAft>
+              <a:buSzPts val="1400"/>
+              <a:buNone/>
+              <a:defRPr/>
+            </a:lvl6pPr>
+            <a:lvl7pPr lvl="6" algn="l">
+              <a:spcBef>
+                <a:spcPts val="0"/>
+              </a:spcBef>
+              <a:spcAft>
+                <a:spcPts val="0"/>
+              </a:spcAft>
+              <a:buSzPts val="1400"/>
+              <a:buNone/>
+              <a:defRPr/>
+            </a:lvl7pPr>
+            <a:lvl8pPr lvl="7" algn="l">
+              <a:spcBef>
+                <a:spcPts val="0"/>
+              </a:spcBef>
+              <a:spcAft>
+                <a:spcPts val="0"/>
+              </a:spcAft>
+              <a:buSzPts val="1400"/>
+              <a:buNone/>
+              <a:defRPr/>
+            </a:lvl8pPr>
+            <a:lvl9pPr lvl="8" algn="l">
+              <a:spcBef>
+                <a:spcPts val="0"/>
+              </a:spcBef>
+              <a:spcAft>
+                <a:spcPts val="0"/>
+              </a:spcAft>
+              <a:buSzPts val="1400"/>
+              <a:buNone/>
+              <a:defRPr/>
+            </a:lvl9pPr>
+          </a:lstStyle>
+          <a:p>
+            <a:endParaRPr/>
+          </a:p>
+        </p:txBody>
+      </p:sp>
+      <p:sp>
+        <p:nvSpPr>
+          <p:cNvPr id="41" name="Google Shape;41;p17"/>
+          <p:cNvSpPr txBox="1">
+            <a:spLocks noGrp="1"/>
+          </p:cNvSpPr>
+          <p:nvPr>
+            <p:ph type="sldNum" idx="12"/>
+          </p:nvPr>
+        </p:nvSpPr>
+        <p:spPr>
+          <a:xfrm>
+            <a:off x="8610600" y="6356350"/>
+            <a:ext cx="2743200" cy="365125"/>
+          </a:xfrm>
+          <a:prstGeom prst="rect">
+            <a:avLst/>
+          </a:prstGeom>
+          <a:noFill/>
+          <a:ln>
+            <a:noFill/>
+          </a:ln>
+        </p:spPr>
+        <p:txBody>
+          <a:bodyPr spcFirstLastPara="1" wrap="square" lIns="91425" tIns="45700" rIns="91425" bIns="45700" anchor="ctr" anchorCtr="0">
+            <a:noAutofit/>
+          </a:bodyPr>
+          <a:lstStyle>
+            <a:lvl1pPr marL="0" lvl="0" indent="0" algn="r">
+              <a:spcBef>
+                <a:spcPts val="0"/>
+              </a:spcBef>
+              <a:buNone/>
+              <a:defRPr sz="900" b="0" i="0" u="none" strike="noStrike" cap="none">
+                <a:solidFill>
+                  <a:srgbClr val="888888"/>
+                </a:solidFill>
+                <a:latin typeface="Arial"/>
+                <a:ea typeface="Arial"/>
+                <a:cs typeface="Arial"/>
+                <a:sym typeface="Arial"/>
+              </a:defRPr>
+            </a:lvl1pPr>
+            <a:lvl2pPr marL="0" lvl="1" indent="0" algn="r">
+              <a:spcBef>
+                <a:spcPts val="0"/>
+              </a:spcBef>
+              <a:buNone/>
+              <a:defRPr sz="900" b="0" i="0" u="none" strike="noStrike" cap="none">
+                <a:solidFill>
+                  <a:srgbClr val="888888"/>
+                </a:solidFill>
+                <a:latin typeface="Arial"/>
+                <a:ea typeface="Arial"/>
+                <a:cs typeface="Arial"/>
+                <a:sym typeface="Arial"/>
+              </a:defRPr>
+            </a:lvl2pPr>
+            <a:lvl3pPr marL="0" lvl="2" indent="0" algn="r">
+              <a:spcBef>
+                <a:spcPts val="0"/>
+              </a:spcBef>
+              <a:buNone/>
+              <a:defRPr sz="900" b="0" i="0" u="none" strike="noStrike" cap="none">
+                <a:solidFill>
+                  <a:srgbClr val="888888"/>
+                </a:solidFill>
+                <a:latin typeface="Arial"/>
+                <a:ea typeface="Arial"/>
+                <a:cs typeface="Arial"/>
+                <a:sym typeface="Arial"/>
+              </a:defRPr>
+            </a:lvl3pPr>
+            <a:lvl4pPr marL="0" lvl="3" indent="0" algn="r">
+              <a:spcBef>
+                <a:spcPts val="0"/>
+              </a:spcBef>
+              <a:buNone/>
+              <a:defRPr sz="900" b="0" i="0" u="none" strike="noStrike" cap="none">
+                <a:solidFill>
+                  <a:srgbClr val="888888"/>
+                </a:solidFill>
+                <a:latin typeface="Arial"/>
+                <a:ea typeface="Arial"/>
+                <a:cs typeface="Arial"/>
+                <a:sym typeface="Arial"/>
+              </a:defRPr>
+            </a:lvl4pPr>
+            <a:lvl5pPr marL="0" lvl="4" indent="0" algn="r">
+              <a:spcBef>
+                <a:spcPts val="0"/>
+              </a:spcBef>
+              <a:buNone/>
+              <a:defRPr sz="900" b="0" i="0" u="none" strike="noStrike" cap="none">
+                <a:solidFill>
+                  <a:srgbClr val="888888"/>
+                </a:solidFill>
+                <a:latin typeface="Arial"/>
+                <a:ea typeface="Arial"/>
+                <a:cs typeface="Arial"/>
+                <a:sym typeface="Arial"/>
+              </a:defRPr>
+            </a:lvl5pPr>
+            <a:lvl6pPr marL="0" lvl="5" indent="0" algn="r">
+              <a:spcBef>
+                <a:spcPts val="0"/>
+              </a:spcBef>
+              <a:buNone/>
+              <a:defRPr sz="900" b="0" i="0" u="none" strike="noStrike" cap="none">
+                <a:solidFill>
+                  <a:srgbClr val="888888"/>
+                </a:solidFill>
+                <a:latin typeface="Arial"/>
+                <a:ea typeface="Arial"/>
+                <a:cs typeface="Arial"/>
+                <a:sym typeface="Arial"/>
+              </a:defRPr>
+            </a:lvl6pPr>
+            <a:lvl7pPr marL="0" lvl="6" indent="0" algn="r">
+              <a:spcBef>
+                <a:spcPts val="0"/>
+              </a:spcBef>
+              <a:buNone/>
+              <a:defRPr sz="900" b="0" i="0" u="none" strike="noStrike" cap="none">
+                <a:solidFill>
+                  <a:srgbClr val="888888"/>
+                </a:solidFill>
+                <a:latin typeface="Arial"/>
+                <a:ea typeface="Arial"/>
+                <a:cs typeface="Arial"/>
+                <a:sym typeface="Arial"/>
+              </a:defRPr>
+            </a:lvl7pPr>
+            <a:lvl8pPr marL="0" lvl="7" indent="0" algn="r">
+              <a:spcBef>
+                <a:spcPts val="0"/>
+              </a:spcBef>
+              <a:buNone/>
+              <a:defRPr sz="900" b="0" i="0" u="none" strike="noStrike" cap="none">
+                <a:solidFill>
+                  <a:srgbClr val="888888"/>
+                </a:solidFill>
+                <a:latin typeface="Arial"/>
+                <a:ea typeface="Arial"/>
+                <a:cs typeface="Arial"/>
+                <a:sym typeface="Arial"/>
+              </a:defRPr>
+            </a:lvl8pPr>
+            <a:lvl9pPr marL="0" lvl="8" indent="0" algn="r">
+              <a:spcBef>
+                <a:spcPts val="0"/>
+              </a:spcBef>
+              <a:buNone/>
+              <a:defRPr sz="900" b="0" i="0" u="none" strike="noStrike" cap="none">
+                <a:solidFill>
+                  <a:srgbClr val="888888"/>
+                </a:solidFill>
+                <a:latin typeface="Arial"/>
+                <a:ea typeface="Arial"/>
+                <a:cs typeface="Arial"/>
+                <a:sym typeface="Arial"/>
+              </a:defRPr>
+            </a:lvl9pPr>
+          </a:lstStyle>
+          <a:p>
+            <a:pPr marL="0" lvl="0" indent="0" algn="r" rtl="0">
+              <a:spcBef>
+                <a:spcPts val="0"/>
+              </a:spcBef>
+              <a:spcAft>
+                <a:spcPts val="0"/>
+              </a:spcAft>
+              <a:buNone/>
+            </a:pPr>
+            <a:fld id="{00000000-1234-1234-1234-123412341234}" type="slidenum">
+              <a:rPr lang="en-US"/>
+              <a:t>‹#›</a:t>
+            </a:fld>
+            <a:endParaRPr/>
+          </a:p>
+        </p:txBody>
+      </p:sp>
+    </p:spTree>
+    <p:extLst>
+      <p:ext uri="{BB962C8B-B14F-4D97-AF65-F5344CB8AC3E}">
+        <p14:creationId xmlns:p14="http://schemas.microsoft.com/office/powerpoint/2010/main" val="2336920870"/>
       </p:ext>
     </p:extLst>
   </p:cSld>
@@ -9208,6 +10385,7 @@
     <p:sldLayoutId id="2147483660" r:id="rId13"/>
     <p:sldLayoutId id="2147483664" r:id="rId14"/>
     <p:sldLayoutId id="2147483665" r:id="rId15"/>
+    <p:sldLayoutId id="2147483669" r:id="rId16"/>
   </p:sldLayoutIdLst>
   <p:hf hdr="0"/>
   <p:txStyles>
@@ -11174,7 +12352,7 @@
   <p:cSld>
     <p:spTree>
       <p:nvGrpSpPr>
-        <p:cNvPr id="1" name=""/>
+        <p:cNvPr id="1" name="Shape 180"/>
         <p:cNvGrpSpPr/>
         <p:nvPr/>
       </p:nvGrpSpPr>
@@ -11188,14 +12366,8 @@
       </p:grpSpPr>
       <p:sp>
         <p:nvSpPr>
-          <p:cNvPr id="3" name="Title 2">
-            <a:extLst>
-              <a:ext uri="{FF2B5EF4-FFF2-40B4-BE49-F238E27FC236}">
-                <a16:creationId xmlns:a16="http://schemas.microsoft.com/office/drawing/2014/main" id="{77762301-F83A-4BEA-9D11-E6C99FB574A8}"/>
-              </a:ext>
-            </a:extLst>
-          </p:cNvPr>
-          <p:cNvSpPr>
+          <p:cNvPr id="181" name="Google Shape;181;p8"/>
+          <p:cNvSpPr txBox="1">
             <a:spLocks noGrp="1"/>
           </p:cNvSpPr>
           <p:nvPr>
@@ -11206,131 +12378,256 @@
           <a:xfrm>
             <a:off x="3067905" y="360626"/>
             <a:ext cx="5099825" cy="854857"/>
-          </a:xfrm>
-        </p:spPr>
-        <p:txBody>
-          <a:bodyPr/>
-          <a:lstStyle/>
-          <a:p>
-            <a:r>
-              <a:rPr lang="en-US" dirty="0"/>
-              <a:t>Homeownership</a:t>
-            </a:r>
-          </a:p>
-        </p:txBody>
-      </p:sp>
-      <p:sp>
-        <p:nvSpPr>
-          <p:cNvPr id="12" name="TextBox 11">
-            <a:extLst>
-              <a:ext uri="{FF2B5EF4-FFF2-40B4-BE49-F238E27FC236}">
-                <a16:creationId xmlns:a16="http://schemas.microsoft.com/office/drawing/2014/main" id="{12852BAC-990D-D087-B200-61BEAF835421}"/>
-              </a:ext>
-            </a:extLst>
-          </p:cNvPr>
-          <p:cNvSpPr txBox="1"/>
-          <p:nvPr/>
-        </p:nvSpPr>
-        <p:spPr>
-          <a:xfrm>
-            <a:off x="234175" y="2136338"/>
-            <a:ext cx="5099825" cy="3693319"/>
           </a:xfrm>
           <a:prstGeom prst="rect">
             <a:avLst/>
           </a:prstGeom>
           <a:noFill/>
-        </p:spPr>
-        <p:txBody>
-          <a:bodyPr wrap="square" rtlCol="0">
+          <a:ln>
+            <a:noFill/>
+          </a:ln>
+        </p:spPr>
+        <p:txBody>
+          <a:bodyPr spcFirstLastPara="1" wrap="square" lIns="91425" tIns="45700" rIns="91425" bIns="45700" anchor="ctr" anchorCtr="0">
+            <a:normAutofit/>
+          </a:bodyPr>
+          <a:lstStyle/>
+          <a:p>
+            <a:pPr marL="0" lvl="0" indent="0" algn="ctr" rtl="0">
+              <a:lnSpc>
+                <a:spcPct val="90000"/>
+              </a:lnSpc>
+              <a:spcBef>
+                <a:spcPts val="0"/>
+              </a:spcBef>
+              <a:spcAft>
+                <a:spcPts val="0"/>
+              </a:spcAft>
+              <a:buClr>
+                <a:schemeClr val="dk1"/>
+              </a:buClr>
+              <a:buSzPts val="2800"/>
+              <a:buFont typeface="Arial"/>
+              <a:buNone/>
+            </a:pPr>
+            <a:r>
+              <a:rPr lang="en-US"/>
+              <a:t>HOMEOWNERSHIP</a:t>
+            </a:r>
+            <a:endParaRPr/>
+          </a:p>
+        </p:txBody>
+      </p:sp>
+      <p:sp>
+        <p:nvSpPr>
+          <p:cNvPr id="182" name="Google Shape;182;p8"/>
+          <p:cNvSpPr txBox="1"/>
+          <p:nvPr/>
+        </p:nvSpPr>
+        <p:spPr>
+          <a:xfrm>
+            <a:off x="234175" y="2136338"/>
+            <a:ext cx="5099700" cy="2586000"/>
+          </a:xfrm>
+          <a:prstGeom prst="rect">
+            <a:avLst/>
+          </a:prstGeom>
+          <a:noFill/>
+          <a:ln>
+            <a:noFill/>
+          </a:ln>
+        </p:spPr>
+        <p:txBody>
+          <a:bodyPr spcFirstLastPara="1" wrap="square" lIns="91425" tIns="45700" rIns="91425" bIns="45700" anchor="t" anchorCtr="0">
             <a:spAutoFit/>
           </a:bodyPr>
           <a:lstStyle/>
           <a:p>
-            <a:pPr marL="285750" indent="-285750">
-              <a:buFont typeface="Arial" panose="020B0604020202020204" pitchFamily="34" charset="0"/>
+            <a:pPr marL="285750" marR="0" lvl="0" indent="-285750" algn="l" rtl="0">
+              <a:spcBef>
+                <a:spcPts val="0"/>
+              </a:spcBef>
+              <a:spcAft>
+                <a:spcPts val="0"/>
+              </a:spcAft>
+              <a:buClr>
+                <a:schemeClr val="dk1"/>
+              </a:buClr>
+              <a:buSzPts val="1800"/>
               <a:buChar char="•"/>
             </a:pPr>
             <a:r>
-              <a:rPr lang="en-US" dirty="0"/>
-              <a:t>Does Homeownership impact feelings?</a:t>
-            </a:r>
-          </a:p>
-          <a:p>
-            <a:pPr marL="285750" indent="-285750">
-              <a:buFont typeface="Arial" panose="020B0604020202020204" pitchFamily="34" charset="0"/>
+              <a:rPr lang="en-US" sz="1800" b="1">
+                <a:solidFill>
+                  <a:schemeClr val="dk1"/>
+                </a:solidFill>
+              </a:rPr>
+              <a:t>Does homeowner status impact anxiety?</a:t>
+            </a:r>
+            <a:endParaRPr b="1"/>
+          </a:p>
+          <a:p>
+            <a:pPr marL="285750" marR="0" lvl="0" indent="-171450" algn="l" rtl="0">
+              <a:spcBef>
+                <a:spcPts val="0"/>
+              </a:spcBef>
+              <a:spcAft>
+                <a:spcPts val="0"/>
+              </a:spcAft>
+              <a:buClr>
+                <a:schemeClr val="dk1"/>
+              </a:buClr>
+              <a:buSzPts val="1800"/>
+              <a:buFont typeface="Arial"/>
+              <a:buNone/>
+            </a:pPr>
+            <a:endParaRPr sz="1800">
+              <a:solidFill>
+                <a:schemeClr val="dk1"/>
+              </a:solidFill>
+              <a:latin typeface="Arial"/>
+              <a:ea typeface="Arial"/>
+              <a:cs typeface="Arial"/>
+              <a:sym typeface="Arial"/>
+            </a:endParaRPr>
+          </a:p>
+          <a:p>
+            <a:pPr marL="285750" marR="0" lvl="0" indent="-285750" algn="l" rtl="0">
+              <a:spcBef>
+                <a:spcPts val="0"/>
+              </a:spcBef>
+              <a:spcAft>
+                <a:spcPts val="0"/>
+              </a:spcAft>
+              <a:buClr>
+                <a:schemeClr val="dk1"/>
+              </a:buClr>
+              <a:buSzPts val="1800"/>
+              <a:buFont typeface="Arial"/>
               <a:buChar char="•"/>
             </a:pPr>
-            <a:endParaRPr lang="en-US" dirty="0"/>
-          </a:p>
-          <a:p>
-            <a:pPr marL="285750" indent="-285750">
-              <a:buFont typeface="Arial" panose="020B0604020202020204" pitchFamily="34" charset="0"/>
+            <a:r>
+              <a:rPr lang="en-US" sz="1800">
+                <a:solidFill>
+                  <a:schemeClr val="dk1"/>
+                </a:solidFill>
+                <a:latin typeface="Arial"/>
+                <a:ea typeface="Arial"/>
+                <a:cs typeface="Arial"/>
+                <a:sym typeface="Arial"/>
+              </a:rPr>
+              <a:t>The majority of survey respondents owned a home with a mortgage (46.9%), and the fewest live without paying rent (1.3%). </a:t>
+            </a:r>
+            <a:endParaRPr sz="1800">
+              <a:solidFill>
+                <a:schemeClr val="dk1"/>
+              </a:solidFill>
+              <a:latin typeface="Arial"/>
+              <a:ea typeface="Arial"/>
+              <a:cs typeface="Arial"/>
+              <a:sym typeface="Arial"/>
+            </a:endParaRPr>
+          </a:p>
+          <a:p>
+            <a:pPr marL="285750" marR="0" lvl="0" indent="-285750" algn="l" rtl="0">
+              <a:spcBef>
+                <a:spcPts val="0"/>
+              </a:spcBef>
+              <a:spcAft>
+                <a:spcPts val="0"/>
+              </a:spcAft>
+              <a:buClr>
+                <a:schemeClr val="dk1"/>
+              </a:buClr>
+              <a:buSzPts val="1800"/>
+              <a:buFont typeface="Arial"/>
               <a:buChar char="•"/>
             </a:pPr>
             <a:r>
-              <a:rPr lang="en-US" dirty="0"/>
-              <a:t>The majority of survey respondents owned a home with a mortgage (308,958), and the fewest live without paying rent (8382). "Rent free" is specified that no one in the home is paying rent, so this includes people experiencing homelessness.</a:t>
-            </a:r>
-          </a:p>
-          <a:p>
-            <a:pPr marL="285750" indent="-285750">
-              <a:buFont typeface="Arial" panose="020B0604020202020204" pitchFamily="34" charset="0"/>
-              <a:buChar char="•"/>
+              <a:rPr lang="en-US" sz="1800">
+                <a:solidFill>
+                  <a:schemeClr val="dk1"/>
+                </a:solidFill>
+                <a:latin typeface="Arial"/>
+                <a:ea typeface="Arial"/>
+                <a:cs typeface="Arial"/>
+                <a:sym typeface="Arial"/>
+              </a:rPr>
+              <a:t>"Rent free" is specified that no one in the home is paying rent, </a:t>
+            </a:r>
+            <a:r>
+              <a:rPr lang="en-US" sz="1800">
+                <a:solidFill>
+                  <a:schemeClr val="dk1"/>
+                </a:solidFill>
+              </a:rPr>
+              <a:t>including </a:t>
+            </a:r>
+            <a:r>
+              <a:rPr lang="en-US" sz="1800">
+                <a:solidFill>
+                  <a:schemeClr val="dk1"/>
+                </a:solidFill>
+                <a:latin typeface="Arial"/>
+                <a:ea typeface="Arial"/>
+                <a:cs typeface="Arial"/>
+                <a:sym typeface="Arial"/>
+              </a:rPr>
+              <a:t>people experiencing homelessness.</a:t>
+            </a:r>
+            <a:endParaRPr/>
+          </a:p>
+          <a:p>
+            <a:pPr marL="0" marR="0" lvl="0" indent="0" algn="l" rtl="0">
+              <a:spcBef>
+                <a:spcPts val="0"/>
+              </a:spcBef>
+              <a:spcAft>
+                <a:spcPts val="0"/>
+              </a:spcAft>
+              <a:buNone/>
             </a:pPr>
-            <a:endParaRPr lang="en-US" dirty="0"/>
-          </a:p>
-          <a:p>
-            <a:pPr marL="285750" indent="-285750">
-              <a:buFont typeface="Arial" panose="020B0604020202020204" pitchFamily="34" charset="0"/>
-              <a:buChar char="•"/>
-            </a:pPr>
-            <a:r>
-              <a:rPr lang="en-US" dirty="0"/>
-              <a:t>Across all homeownership statuses, feelings of anxiety are experienced more often than feelings of lonely, interest, and down.</a:t>
-            </a:r>
-          </a:p>
-          <a:p>
-            <a:endParaRPr lang="en-US" dirty="0"/>
+            <a:endParaRPr sz="1800">
+              <a:solidFill>
+                <a:schemeClr val="dk1"/>
+              </a:solidFill>
+              <a:latin typeface="Arial"/>
+              <a:ea typeface="Arial"/>
+              <a:cs typeface="Arial"/>
+              <a:sym typeface="Arial"/>
+            </a:endParaRPr>
           </a:p>
         </p:txBody>
       </p:sp>
       <p:pic>
         <p:nvPicPr>
-          <p:cNvPr id="18" name="Picture 17" descr="Chart&#10;&#10;Description automatically generated">
-            <a:extLst>
-              <a:ext uri="{FF2B5EF4-FFF2-40B4-BE49-F238E27FC236}">
-                <a16:creationId xmlns:a16="http://schemas.microsoft.com/office/drawing/2014/main" id="{55E147B3-C7FB-0DB9-D23D-F5F963D71374}"/>
-              </a:ext>
-            </a:extLst>
-          </p:cNvPr>
-          <p:cNvPicPr>
-            <a:picLocks noChangeAspect="1"/>
-          </p:cNvPicPr>
+          <p:cNvPr id="183" name="Google Shape;183;p8"/>
+          <p:cNvPicPr preferRelativeResize="0"/>
           <p:nvPr/>
         </p:nvPicPr>
         <p:blipFill>
-          <a:blip r:embed="rId2"/>
+          <a:blip r:embed="rId3">
+            <a:alphaModFix/>
+          </a:blip>
           <a:stretch>
             <a:fillRect/>
           </a:stretch>
         </p:blipFill>
         <p:spPr>
           <a:xfrm>
-            <a:off x="5617818" y="1752218"/>
-            <a:ext cx="6440367" cy="3353564"/>
+            <a:off x="5333875" y="1348223"/>
+            <a:ext cx="6466175" cy="4546900"/>
           </a:xfrm>
           <a:prstGeom prst="rect">
             <a:avLst/>
           </a:prstGeom>
+          <a:noFill/>
+          <a:ln>
+            <a:noFill/>
+          </a:ln>
         </p:spPr>
       </p:pic>
     </p:spTree>
-    <p:extLst>
-      <p:ext uri="{BB962C8B-B14F-4D97-AF65-F5344CB8AC3E}">
-        <p14:creationId xmlns:p14="http://schemas.microsoft.com/office/powerpoint/2010/main" val="2896385493"/>
-      </p:ext>
-    </p:extLst>
   </p:cSld>
   <p:clrMapOvr>
     <a:masterClrMapping/>
@@ -11343,7 +12640,7 @@
   <p:cSld>
     <p:spTree>
       <p:nvGrpSpPr>
-        <p:cNvPr id="1" name=""/>
+        <p:cNvPr id="1" name="Shape 187"/>
         <p:cNvGrpSpPr/>
         <p:nvPr/>
       </p:nvGrpSpPr>
@@ -11357,14 +12654,8 @@
       </p:grpSpPr>
       <p:sp>
         <p:nvSpPr>
-          <p:cNvPr id="2" name="Title 1">
-            <a:extLst>
-              <a:ext uri="{FF2B5EF4-FFF2-40B4-BE49-F238E27FC236}">
-                <a16:creationId xmlns:a16="http://schemas.microsoft.com/office/drawing/2014/main" id="{1214D48F-81C0-6109-732A-59551BF2BEC3}"/>
-              </a:ext>
-            </a:extLst>
-          </p:cNvPr>
-          <p:cNvSpPr>
+          <p:cNvPr id="188" name="Google Shape;188;p9"/>
+          <p:cNvSpPr txBox="1">
             <a:spLocks noGrp="1"/>
           </p:cNvSpPr>
           <p:nvPr>
@@ -11376,110 +12667,227 @@
             <a:off x="838200" y="365125"/>
             <a:ext cx="4570141" cy="950719"/>
           </a:xfrm>
-        </p:spPr>
-        <p:txBody>
-          <a:bodyPr/>
+          <a:prstGeom prst="rect">
+            <a:avLst/>
+          </a:prstGeom>
+          <a:noFill/>
+          <a:ln>
+            <a:noFill/>
+          </a:ln>
+        </p:spPr>
+        <p:txBody>
+          <a:bodyPr spcFirstLastPara="1" wrap="square" lIns="91425" tIns="45700" rIns="91425" bIns="45700" anchor="ctr" anchorCtr="0">
+            <a:normAutofit/>
+          </a:bodyPr>
           <a:lstStyle/>
           <a:p>
-            <a:r>
-              <a:rPr lang="en-US" dirty="0"/>
-              <a:t>Homeownership	</a:t>
-            </a:r>
+            <a:pPr marL="0" lvl="0" indent="0" algn="ctr" rtl="0">
+              <a:lnSpc>
+                <a:spcPct val="90000"/>
+              </a:lnSpc>
+              <a:spcBef>
+                <a:spcPts val="0"/>
+              </a:spcBef>
+              <a:spcAft>
+                <a:spcPts val="0"/>
+              </a:spcAft>
+              <a:buClr>
+                <a:schemeClr val="dk1"/>
+              </a:buClr>
+              <a:buSzPts val="2800"/>
+              <a:buFont typeface="Arial"/>
+              <a:buNone/>
+            </a:pPr>
+            <a:r>
+              <a:rPr lang="en-US"/>
+              <a:t>HOMEOWNERSHIP	</a:t>
+            </a:r>
+            <a:endParaRPr/>
+          </a:p>
+        </p:txBody>
+      </p:sp>
+      <p:sp>
+        <p:nvSpPr>
+          <p:cNvPr id="189" name="Google Shape;189;p9"/>
+          <p:cNvSpPr txBox="1"/>
+          <p:nvPr/>
+        </p:nvSpPr>
+        <p:spPr>
+          <a:xfrm>
+            <a:off x="103150" y="1709575"/>
+            <a:ext cx="4652400" cy="2586000"/>
+          </a:xfrm>
+          <a:prstGeom prst="rect">
+            <a:avLst/>
+          </a:prstGeom>
+          <a:noFill/>
+          <a:ln>
+            <a:noFill/>
+          </a:ln>
+        </p:spPr>
+        <p:txBody>
+          <a:bodyPr spcFirstLastPara="1" wrap="square" lIns="91425" tIns="45700" rIns="91425" bIns="45700" anchor="t" anchorCtr="0">
+            <a:spAutoFit/>
+          </a:bodyPr>
+          <a:lstStyle/>
+          <a:p>
+            <a:pPr marL="285750" marR="0" lvl="0" indent="-285750" algn="l" rtl="0">
+              <a:spcBef>
+                <a:spcPts val="0"/>
+              </a:spcBef>
+              <a:spcAft>
+                <a:spcPts val="0"/>
+              </a:spcAft>
+              <a:buClr>
+                <a:schemeClr val="dk1"/>
+              </a:buClr>
+              <a:buSzPts val="1800"/>
+              <a:buFont typeface="Arial"/>
+              <a:buChar char="•"/>
+            </a:pPr>
+            <a:r>
+              <a:rPr lang="en-US" sz="1800">
+                <a:solidFill>
+                  <a:schemeClr val="dk1"/>
+                </a:solidFill>
+                <a:latin typeface="Arial"/>
+                <a:ea typeface="Arial"/>
+                <a:cs typeface="Arial"/>
+                <a:sym typeface="Arial"/>
+              </a:rPr>
+              <a:t>People who own their homes outright reported feeling anxiety less frequently than others.</a:t>
+            </a:r>
+            <a:endParaRPr/>
+          </a:p>
+          <a:p>
+            <a:pPr marL="285750" marR="0" lvl="0" indent="-171450" algn="l" rtl="0">
+              <a:spcBef>
+                <a:spcPts val="0"/>
+              </a:spcBef>
+              <a:spcAft>
+                <a:spcPts val="0"/>
+              </a:spcAft>
+              <a:buClr>
+                <a:schemeClr val="dk1"/>
+              </a:buClr>
+              <a:buSzPts val="1800"/>
+              <a:buFont typeface="Arial"/>
+              <a:buNone/>
+            </a:pPr>
+            <a:endParaRPr sz="1800">
+              <a:solidFill>
+                <a:schemeClr val="dk1"/>
+              </a:solidFill>
+              <a:latin typeface="Arial"/>
+              <a:ea typeface="Arial"/>
+              <a:cs typeface="Arial"/>
+              <a:sym typeface="Arial"/>
+            </a:endParaRPr>
+          </a:p>
+          <a:p>
+            <a:pPr marL="285750" marR="0" lvl="0" indent="-285750" algn="l" rtl="0">
+              <a:spcBef>
+                <a:spcPts val="0"/>
+              </a:spcBef>
+              <a:spcAft>
+                <a:spcPts val="0"/>
+              </a:spcAft>
+              <a:buClr>
+                <a:schemeClr val="dk1"/>
+              </a:buClr>
+              <a:buSzPts val="1800"/>
+              <a:buFont typeface="Arial"/>
+              <a:buChar char="•"/>
+            </a:pPr>
+            <a:r>
+              <a:rPr lang="en-US" sz="1800">
+                <a:solidFill>
+                  <a:schemeClr val="dk1"/>
+                </a:solidFill>
+                <a:latin typeface="Arial"/>
+                <a:ea typeface="Arial"/>
+                <a:cs typeface="Arial"/>
+                <a:sym typeface="Arial"/>
+              </a:rPr>
+              <a:t>People who both rent and live without paying rent experience the highest instances of anxiety</a:t>
+            </a:r>
+            <a:r>
+              <a:rPr lang="en-US" sz="1800">
+                <a:solidFill>
+                  <a:schemeClr val="dk1"/>
+                </a:solidFill>
+              </a:rPr>
+              <a:t>, with average responses of 2.27 and 2.31</a:t>
+            </a:r>
+            <a:r>
+              <a:rPr lang="en-US" sz="1800">
+                <a:solidFill>
+                  <a:schemeClr val="dk1"/>
+                </a:solidFill>
+                <a:latin typeface="Arial"/>
+                <a:ea typeface="Arial"/>
+                <a:cs typeface="Arial"/>
+                <a:sym typeface="Arial"/>
+              </a:rPr>
+              <a:t>.</a:t>
+            </a:r>
+            <a:endParaRPr sz="1800">
+              <a:solidFill>
+                <a:schemeClr val="dk1"/>
+              </a:solidFill>
+              <a:latin typeface="Arial"/>
+              <a:ea typeface="Arial"/>
+              <a:cs typeface="Arial"/>
+              <a:sym typeface="Arial"/>
+            </a:endParaRPr>
+          </a:p>
+          <a:p>
+            <a:pPr marL="0" marR="0" lvl="0" indent="0" algn="l" rtl="0">
+              <a:spcBef>
+                <a:spcPts val="0"/>
+              </a:spcBef>
+              <a:spcAft>
+                <a:spcPts val="0"/>
+              </a:spcAft>
+              <a:buNone/>
+            </a:pPr>
+            <a:endParaRPr sz="1800">
+              <a:solidFill>
+                <a:schemeClr val="dk1"/>
+              </a:solidFill>
+            </a:endParaRPr>
           </a:p>
         </p:txBody>
       </p:sp>
       <p:pic>
         <p:nvPicPr>
-          <p:cNvPr id="7" name="Picture 6" descr="Chart, bar chart&#10;&#10;Description automatically generated">
-            <a:extLst>
-              <a:ext uri="{FF2B5EF4-FFF2-40B4-BE49-F238E27FC236}">
-                <a16:creationId xmlns:a16="http://schemas.microsoft.com/office/drawing/2014/main" id="{17DA6186-EE43-C810-43EC-F8B3953CA069}"/>
-              </a:ext>
-            </a:extLst>
-          </p:cNvPr>
-          <p:cNvPicPr>
-            <a:picLocks noChangeAspect="1"/>
-          </p:cNvPicPr>
+          <p:cNvPr id="190" name="Google Shape;190;p9"/>
+          <p:cNvPicPr preferRelativeResize="0"/>
           <p:nvPr/>
         </p:nvPicPr>
         <p:blipFill>
-          <a:blip r:embed="rId2"/>
+          <a:blip r:embed="rId3">
+            <a:alphaModFix/>
+          </a:blip>
           <a:stretch>
             <a:fillRect/>
           </a:stretch>
         </p:blipFill>
         <p:spPr>
           <a:xfrm>
-            <a:off x="6266984" y="135166"/>
-            <a:ext cx="5534722" cy="6587668"/>
-          </a:xfrm>
-          <a:prstGeom prst="rect">
-            <a:avLst/>
-          </a:prstGeom>
-        </p:spPr>
-      </p:pic>
-      <p:sp>
-        <p:nvSpPr>
-          <p:cNvPr id="9" name="TextBox 8">
-            <a:extLst>
-              <a:ext uri="{FF2B5EF4-FFF2-40B4-BE49-F238E27FC236}">
-                <a16:creationId xmlns:a16="http://schemas.microsoft.com/office/drawing/2014/main" id="{ABFF851D-4B4F-EFC8-71E7-37ABE9CE1328}"/>
-              </a:ext>
-            </a:extLst>
-          </p:cNvPr>
-          <p:cNvSpPr txBox="1"/>
-          <p:nvPr/>
-        </p:nvSpPr>
-        <p:spPr>
-          <a:xfrm>
-            <a:off x="103149" y="1690688"/>
-            <a:ext cx="5534722" cy="1477328"/>
+            <a:off x="5166250" y="1504724"/>
+            <a:ext cx="6158775" cy="4419830"/>
           </a:xfrm>
           <a:prstGeom prst="rect">
             <a:avLst/>
           </a:prstGeom>
           <a:noFill/>
-        </p:spPr>
-        <p:txBody>
-          <a:bodyPr wrap="square">
-            <a:spAutoFit/>
-          </a:bodyPr>
-          <a:lstStyle/>
-          <a:p>
-            <a:pPr marL="285750" indent="-285750">
-              <a:buFont typeface="Arial" panose="020B0604020202020204" pitchFamily="34" charset="0"/>
-              <a:buChar char="•"/>
-            </a:pPr>
-            <a:r>
-              <a:rPr lang="en-US" dirty="0"/>
-              <a:t>People who own their homes outright reported feeling anxiety less frequently than others.</a:t>
-            </a:r>
-          </a:p>
-          <a:p>
-            <a:pPr marL="285750" indent="-285750">
-              <a:buFont typeface="Arial" panose="020B0604020202020204" pitchFamily="34" charset="0"/>
-              <a:buChar char="•"/>
-            </a:pPr>
-            <a:endParaRPr lang="en-US" dirty="0"/>
-          </a:p>
-          <a:p>
-            <a:pPr marL="285750" indent="-285750">
-              <a:buFont typeface="Arial" panose="020B0604020202020204" pitchFamily="34" charset="0"/>
-              <a:buChar char="•"/>
-            </a:pPr>
-            <a:r>
-              <a:rPr lang="en-US" dirty="0"/>
-              <a:t>People who both rent and live without paying rent experience the highest instances of anxiety.</a:t>
-            </a:r>
-          </a:p>
-        </p:txBody>
-      </p:sp>
+          <a:ln>
+            <a:noFill/>
+          </a:ln>
+        </p:spPr>
+      </p:pic>
     </p:spTree>
-    <p:extLst>
-      <p:ext uri="{BB962C8B-B14F-4D97-AF65-F5344CB8AC3E}">
-        <p14:creationId xmlns:p14="http://schemas.microsoft.com/office/powerpoint/2010/main" val="3841730977"/>
-      </p:ext>
-    </p:extLst>
   </p:cSld>
   <p:clrMapOvr>
     <a:masterClrMapping/>
@@ -12279,6 +13687,15 @@
 </file>
 
 <file path=customXml/item1.xml><?xml version="1.0" encoding="utf-8"?>
+<?mso-contentType ?>
+<FormTemplates xmlns="http://schemas.microsoft.com/sharepoint/v3/contenttype/forms">
+  <Display>DocumentLibraryForm</Display>
+  <Edit>DocumentLibraryForm</Edit>
+  <New>DocumentLibraryForm</New>
+</FormTemplates>
+</file>
+
+<file path=customXml/item2.xml><?xml version="1.0" encoding="utf-8"?>
 <p:properties xmlns:p="http://schemas.microsoft.com/office/2006/metadata/properties" xmlns:xsi="http://www.w3.org/2001/XMLSchema-instance" xmlns:pc="http://schemas.microsoft.com/office/infopath/2007/PartnerControls">
   <documentManagement>
     <_ip_UnifiedCompliancePolicyUIAction xmlns="http://schemas.microsoft.com/sharepoint/v3" xsi:nil="true"/>
@@ -12295,15 +13712,6 @@
     <MediaServiceKeyPoints xmlns="71af3243-3dd4-4a8d-8c0d-dd76da1f02a5" xsi:nil="true"/>
   </documentManagement>
 </p:properties>
-</file>
-
-<file path=customXml/item2.xml><?xml version="1.0" encoding="utf-8"?>
-<?mso-contentType ?>
-<FormTemplates xmlns="http://schemas.microsoft.com/sharepoint/v3/contenttype/forms">
-  <Display>DocumentLibraryForm</Display>
-  <Edit>DocumentLibraryForm</Edit>
-  <New>DocumentLibraryForm</New>
-</FormTemplates>
 </file>
 
 <file path=customXml/item3.xml><?xml version="1.0" encoding="utf-8"?>
@@ -12583,6 +13991,14 @@
 </file>
 
 <file path=customXml/itemProps1.xml><?xml version="1.0" encoding="utf-8"?>
+<ds:datastoreItem xmlns:ds="http://schemas.openxmlformats.org/officeDocument/2006/customXml" ds:itemID="{0FD6FE22-81A0-4500-AFD0-342D21BB9A2C}">
+  <ds:schemaRefs>
+    <ds:schemaRef ds:uri="http://schemas.microsoft.com/sharepoint/v3/contenttype/forms"/>
+  </ds:schemaRefs>
+</ds:datastoreItem>
+</file>
+
+<file path=customXml/itemProps2.xml><?xml version="1.0" encoding="utf-8"?>
 <ds:datastoreItem xmlns:ds="http://schemas.openxmlformats.org/officeDocument/2006/customXml" ds:itemID="{29C43685-694E-4579-B109-3C418D49DA65}">
   <ds:schemaRefs>
     <ds:schemaRef ds:uri="http://schemas.microsoft.com/office/2006/metadata/properties"/>
@@ -12590,14 +14006,6 @@
     <ds:schemaRef ds:uri="http://schemas.microsoft.com/sharepoint/v3"/>
     <ds:schemaRef ds:uri="71af3243-3dd4-4a8d-8c0d-dd76da1f02a5"/>
     <ds:schemaRef ds:uri="230e9df3-be65-4c73-a93b-d1236ebd677e"/>
-  </ds:schemaRefs>
-</ds:datastoreItem>
-</file>
-
-<file path=customXml/itemProps2.xml><?xml version="1.0" encoding="utf-8"?>
-<ds:datastoreItem xmlns:ds="http://schemas.openxmlformats.org/officeDocument/2006/customXml" ds:itemID="{0FD6FE22-81A0-4500-AFD0-342D21BB9A2C}">
-  <ds:schemaRefs>
-    <ds:schemaRef ds:uri="http://schemas.microsoft.com/sharepoint/v3/contenttype/forms"/>
   </ds:schemaRefs>
 </ds:datastoreItem>
 </file>

--- a/Project_Presentation.pptx
+++ b/Project_Presentation.pptx
@@ -27627,8 +27627,8 @@
         </p:nvSpPr>
         <p:spPr>
           <a:xfrm>
-            <a:off x="5445280" y="1148575"/>
-            <a:ext cx="5111750" cy="4148409"/>
+            <a:off x="5445275" y="1148575"/>
+            <a:ext cx="5111700" cy="5117100"/>
           </a:xfrm>
           <a:prstGeom prst="rect">
             <a:avLst/>
@@ -27640,36 +27640,36 @@
         </p:spPr>
         <p:txBody>
           <a:bodyPr anchorCtr="0" anchor="t" bIns="45700" lIns="91425" spcFirstLastPara="1" rIns="91425" wrap="square" tIns="45700">
-            <a:normAutofit/>
+            <a:noAutofit/>
           </a:bodyPr>
           <a:lstStyle/>
           <a:p>
             <a:pPr indent="0" lvl="0" marL="0" rtl="0" algn="l">
               <a:lnSpc>
-                <a:spcPct val="100000"/>
-              </a:lnSpc>
-              <a:spcBef>
-                <a:spcPts val="0"/>
-              </a:spcBef>
-              <a:spcAft>
-                <a:spcPts val="0"/>
-              </a:spcAft>
-              <a:buClr>
-                <a:schemeClr val="dk1"/>
-              </a:buClr>
-              <a:buSzPts val="1400"/>
+                <a:spcPct val="80000"/>
+              </a:lnSpc>
+              <a:spcBef>
+                <a:spcPts val="0"/>
+              </a:spcBef>
+              <a:spcAft>
+                <a:spcPts val="0"/>
+              </a:spcAft>
+              <a:buClr>
+                <a:schemeClr val="dk1"/>
+              </a:buClr>
+              <a:buSzPts val="1190"/>
               <a:buNone/>
             </a:pPr>
             <a:r>
-              <a:rPr lang="en-US"/>
+              <a:rPr lang="en-US" sz="1490"/>
               <a:t>We each found that Anxiety was the Highest reported feeling in all categories. </a:t>
             </a:r>
-            <a:endParaRPr/>
+            <a:endParaRPr sz="1490"/>
           </a:p>
           <a:p>
             <a:pPr indent="0" lvl="0" marL="0" rtl="0" algn="l">
               <a:lnSpc>
-                <a:spcPct val="100000"/>
+                <a:spcPct val="80000"/>
               </a:lnSpc>
               <a:spcBef>
                 <a:spcPts val="1000"/>
@@ -27680,19 +27680,19 @@
               <a:buClr>
                 <a:schemeClr val="dk1"/>
               </a:buClr>
-              <a:buSzPts val="1400"/>
+              <a:buSzPts val="1190"/>
               <a:buNone/>
             </a:pPr>
             <a:r>
-              <a:rPr lang="en-US"/>
+              <a:rPr lang="en-US" sz="1490"/>
               <a:t>It is common that symptoms of depression increase during winter/holiday months. The Midwest reported the least amount of anxiety.</a:t>
             </a:r>
-            <a:endParaRPr/>
+            <a:endParaRPr sz="1490"/>
           </a:p>
           <a:p>
             <a:pPr indent="0" lvl="0" marL="0" rtl="0" algn="l">
               <a:lnSpc>
-                <a:spcPct val="100000"/>
+                <a:spcPct val="80000"/>
               </a:lnSpc>
               <a:spcBef>
                 <a:spcPts val="1000"/>
@@ -27703,19 +27703,19 @@
               <a:buClr>
                 <a:schemeClr val="dk1"/>
               </a:buClr>
-              <a:buSzPts val="1400"/>
+              <a:buSzPts val="1190"/>
               <a:buNone/>
             </a:pPr>
             <a:r>
-              <a:rPr lang="en-US"/>
+              <a:rPr lang="en-US" sz="1490"/>
               <a:t>The majority of survey takers did not have any children and but also reported more anxiety. </a:t>
             </a:r>
-            <a:endParaRPr/>
+            <a:endParaRPr sz="1490"/>
           </a:p>
           <a:p>
             <a:pPr indent="0" lvl="0" marL="0" rtl="0" algn="l">
               <a:lnSpc>
-                <a:spcPct val="100000"/>
+                <a:spcPct val="80000"/>
               </a:lnSpc>
               <a:spcBef>
                 <a:spcPts val="1000"/>
@@ -27726,19 +27726,19 @@
               <a:buClr>
                 <a:schemeClr val="dk1"/>
               </a:buClr>
-              <a:buSzPts val="1400"/>
+              <a:buSzPts val="1190"/>
               <a:buNone/>
             </a:pPr>
             <a:r>
-              <a:rPr lang="en-US"/>
+              <a:rPr lang="en-US" sz="1490"/>
               <a:t>People who rent and live without paying rent experience the highest instances of anxiety.</a:t>
             </a:r>
-            <a:endParaRPr/>
+            <a:endParaRPr sz="1490"/>
           </a:p>
           <a:p>
             <a:pPr indent="0" lvl="0" marL="0" rtl="0" algn="l">
               <a:lnSpc>
-                <a:spcPct val="100000"/>
+                <a:spcPct val="80000"/>
               </a:lnSpc>
               <a:spcBef>
                 <a:spcPts val="1000"/>
@@ -27749,19 +27749,19 @@
               <a:buClr>
                 <a:schemeClr val="dk1"/>
               </a:buClr>
-              <a:buSzPts val="1400"/>
+              <a:buSzPts val="1190"/>
               <a:buNone/>
             </a:pPr>
             <a:r>
-              <a:rPr lang="en-US"/>
+              <a:rPr lang="en-US" sz="1490"/>
               <a:t>People who identify as Bi-Racial or Race not listed reported higher feelings of anxiety.</a:t>
             </a:r>
-            <a:endParaRPr/>
+            <a:endParaRPr sz="1490"/>
           </a:p>
           <a:p>
             <a:pPr indent="0" lvl="0" marL="0" rtl="0" algn="l">
               <a:lnSpc>
-                <a:spcPct val="100000"/>
+                <a:spcPct val="80000"/>
               </a:lnSpc>
               <a:spcBef>
                 <a:spcPts val="1000"/>
@@ -27772,19 +27772,19 @@
               <a:buClr>
                 <a:schemeClr val="dk1"/>
               </a:buClr>
-              <a:buSzPts val="1400"/>
+              <a:buSzPts val="1190"/>
               <a:buNone/>
             </a:pPr>
             <a:r>
-              <a:rPr lang="en-US"/>
+              <a:rPr lang="en-US" sz="1490"/>
               <a:t>The majority of survey identify as female.</a:t>
             </a:r>
-            <a:endParaRPr/>
+            <a:endParaRPr sz="1490"/>
           </a:p>
           <a:p>
             <a:pPr indent="0" lvl="0" marL="0" rtl="0" algn="l">
               <a:lnSpc>
-                <a:spcPct val="100000"/>
+                <a:spcPct val="80000"/>
               </a:lnSpc>
               <a:spcBef>
                 <a:spcPts val="1000"/>
@@ -27795,19 +27795,19 @@
               <a:buClr>
                 <a:schemeClr val="dk1"/>
               </a:buClr>
-              <a:buSzPts val="1400"/>
+              <a:buSzPts val="1190"/>
               <a:buNone/>
             </a:pPr>
             <a:r>
-              <a:rPr lang="en-US"/>
+              <a:rPr lang="en-US" sz="1490"/>
               <a:t>While only 0.4% of survey takers identify as Transgender, they reported the highest levels of anxiety. </a:t>
             </a:r>
-            <a:endParaRPr/>
+            <a:endParaRPr sz="1490"/>
           </a:p>
           <a:p>
             <a:pPr indent="0" lvl="0" marL="0" rtl="0" algn="l">
               <a:lnSpc>
-                <a:spcPct val="100000"/>
+                <a:spcPct val="80000"/>
               </a:lnSpc>
               <a:spcBef>
                 <a:spcPts val="1000"/>
@@ -27818,18 +27818,49 @@
               <a:buClr>
                 <a:schemeClr val="dk1"/>
               </a:buClr>
-              <a:buSzPts val="1400"/>
+              <a:buSzPts val="1190"/>
+              <a:buNone/>
+            </a:pPr>
+            <a:r>
+              <a:rPr lang="en-US" sz="1490"/>
+              <a:t>Next steps would could include a </a:t>
+            </a:r>
+            <a:r>
+              <a:rPr lang="en-US" sz="1490"/>
+              <a:t>longitudinal</a:t>
+            </a:r>
+            <a:r>
+              <a:rPr lang="en-US" sz="1490"/>
+              <a:t> study to include longer periods of time and possibly running surveys in other countries to see what kind of impact culture has on the conclusions we came to.</a:t>
+            </a:r>
+            <a:endParaRPr sz="1490"/>
+          </a:p>
+          <a:p>
+            <a:pPr indent="0" lvl="0" marL="0" rtl="0" algn="l">
+              <a:lnSpc>
+                <a:spcPct val="80000"/>
+              </a:lnSpc>
+              <a:spcBef>
+                <a:spcPts val="1000"/>
+              </a:spcBef>
+              <a:spcAft>
+                <a:spcPts val="0"/>
+              </a:spcAft>
+              <a:buClr>
+                <a:schemeClr val="dk1"/>
+              </a:buClr>
+              <a:buSzPts val="1190"/>
               <a:buNone/>
             </a:pPr>
             <a:r>
               <a:t/>
             </a:r>
-            <a:endParaRPr/>
+            <a:endParaRPr sz="1490"/>
           </a:p>
           <a:p>
             <a:pPr indent="0" lvl="0" marL="0" rtl="0" algn="l">
               <a:lnSpc>
-                <a:spcPct val="100000"/>
+                <a:spcPct val="80000"/>
               </a:lnSpc>
               <a:spcBef>
                 <a:spcPts val="1000"/>
@@ -27840,35 +27871,13 @@
               <a:buClr>
                 <a:schemeClr val="dk1"/>
               </a:buClr>
-              <a:buSzPts val="1400"/>
+              <a:buSzPts val="1190"/>
               <a:buNone/>
             </a:pPr>
             <a:r>
               <a:t/>
             </a:r>
-            <a:endParaRPr/>
-          </a:p>
-          <a:p>
-            <a:pPr indent="0" lvl="0" marL="0" rtl="0" algn="l">
-              <a:lnSpc>
-                <a:spcPct val="100000"/>
-              </a:lnSpc>
-              <a:spcBef>
-                <a:spcPts val="1000"/>
-              </a:spcBef>
-              <a:spcAft>
-                <a:spcPts val="0"/>
-              </a:spcAft>
-              <a:buClr>
-                <a:schemeClr val="dk1"/>
-              </a:buClr>
-              <a:buSzPts val="1400"/>
-              <a:buNone/>
-            </a:pPr>
-            <a:r>
-              <a:t/>
-            </a:r>
-            <a:endParaRPr/>
+            <a:endParaRPr sz="1490"/>
           </a:p>
         </p:txBody>
       </p:sp>
